--- a/cover.pptx
+++ b/cover.pptx
@@ -710,36 +710,6 @@
           </a:p>
         </p:txBody>
       </p:sp>
-      <p:pic>
-        <p:nvPicPr>
-          <p:cNvPr id="14" name="図 13">
-            <a:extLst>
-              <a:ext uri="{FF2B5EF4-FFF2-40B4-BE49-F238E27FC236}">
-                <a16:creationId xmlns:a16="http://schemas.microsoft.com/office/drawing/2014/main" id="{EE5612BA-FA59-2D4D-9863-9365F0B2B68B}"/>
-              </a:ext>
-            </a:extLst>
-          </p:cNvPr>
-          <p:cNvPicPr>
-            <a:picLocks noChangeAspect="1"/>
-          </p:cNvPicPr>
-          <p:nvPr/>
-        </p:nvPicPr>
-        <p:blipFill>
-          <a:blip r:embed="rId2"/>
-          <a:stretch>
-            <a:fillRect/>
-          </a:stretch>
-        </p:blipFill>
-        <p:spPr>
-          <a:xfrm>
-            <a:off x="3192851" y="1280592"/>
-            <a:ext cx="1264386" cy="1223268"/>
-          </a:xfrm>
-          <a:prstGeom prst="rect">
-            <a:avLst/>
-          </a:prstGeom>
-        </p:spPr>
-      </p:pic>
       <p:sp>
         <p:nvSpPr>
           <p:cNvPr id="15" name="テキスト ボックス 14">
@@ -965,6 +935,36 @@
           </a:p>
         </p:txBody>
       </p:sp>
+      <p:pic>
+        <p:nvPicPr>
+          <p:cNvPr id="21" name="図 20" descr="アイコン&#10;&#10;自動的に生成された説明">
+            <a:extLst>
+              <a:ext uri="{FF2B5EF4-FFF2-40B4-BE49-F238E27FC236}">
+                <a16:creationId xmlns:a16="http://schemas.microsoft.com/office/drawing/2014/main" id="{6CE73256-F6CD-44F3-9DA1-F55FB807070E}"/>
+              </a:ext>
+            </a:extLst>
+          </p:cNvPr>
+          <p:cNvPicPr>
+            <a:picLocks noChangeAspect="1"/>
+          </p:cNvPicPr>
+          <p:nvPr/>
+        </p:nvPicPr>
+        <p:blipFill>
+          <a:blip r:embed="rId2"/>
+          <a:stretch>
+            <a:fillRect/>
+          </a:stretch>
+        </p:blipFill>
+        <p:spPr>
+          <a:xfrm>
+            <a:off x="3140968" y="1208584"/>
+            <a:ext cx="1254177" cy="1225155"/>
+          </a:xfrm>
+          <a:prstGeom prst="rect">
+            <a:avLst/>
+          </a:prstGeom>
+        </p:spPr>
+      </p:pic>
     </p:spTree>
     <p:extLst>
       <p:ext uri="{BB962C8B-B14F-4D97-AF65-F5344CB8AC3E}">

--- a/cover.pptx
+++ b/cover.pptx
@@ -793,76 +793,6 @@
       </p:sp>
       <p:sp>
         <p:nvSpPr>
-          <p:cNvPr id="17" name="テキスト ボックス 16">
-            <a:extLst>
-              <a:ext uri="{FF2B5EF4-FFF2-40B4-BE49-F238E27FC236}">
-                <a16:creationId xmlns:a16="http://schemas.microsoft.com/office/drawing/2014/main" id="{14F1A2D9-4416-3D42-9141-46A1BECBE364}"/>
-              </a:ext>
-            </a:extLst>
-          </p:cNvPr>
-          <p:cNvSpPr txBox="1"/>
-          <p:nvPr/>
-        </p:nvSpPr>
-        <p:spPr>
-          <a:xfrm>
-            <a:off x="3040214" y="7113240"/>
-            <a:ext cx="1569660" cy="369332"/>
-          </a:xfrm>
-          <a:prstGeom prst="rect">
-            <a:avLst/>
-          </a:prstGeom>
-          <a:noFill/>
-        </p:spPr>
-        <p:txBody>
-          <a:bodyPr wrap="none" rtlCol="0">
-            <a:spAutoFit/>
-          </a:bodyPr>
-          <a:lstStyle/>
-          <a:p>
-            <a:r>
-              <a:rPr kumimoji="1" lang="ja-JP" altLang="en-US"/>
-              <a:t>慶應義塾大学</a:t>
-            </a:r>
-          </a:p>
-        </p:txBody>
-      </p:sp>
-      <p:sp>
-        <p:nvSpPr>
-          <p:cNvPr id="18" name="テキスト ボックス 17">
-            <a:extLst>
-              <a:ext uri="{FF2B5EF4-FFF2-40B4-BE49-F238E27FC236}">
-                <a16:creationId xmlns:a16="http://schemas.microsoft.com/office/drawing/2014/main" id="{A8CFD438-2DBA-9441-AAF8-0FB699C60E9A}"/>
-              </a:ext>
-            </a:extLst>
-          </p:cNvPr>
-          <p:cNvSpPr txBox="1"/>
-          <p:nvPr/>
-        </p:nvSpPr>
-        <p:spPr>
-          <a:xfrm>
-            <a:off x="2463133" y="7545288"/>
-            <a:ext cx="2723823" cy="369332"/>
-          </a:xfrm>
-          <a:prstGeom prst="rect">
-            <a:avLst/>
-          </a:prstGeom>
-          <a:noFill/>
-        </p:spPr>
-        <p:txBody>
-          <a:bodyPr wrap="none" rtlCol="0">
-            <a:spAutoFit/>
-          </a:bodyPr>
-          <a:lstStyle/>
-          <a:p>
-            <a:r>
-              <a:rPr kumimoji="1" lang="ja-JP" altLang="en-US"/>
-              <a:t>理工学部物理情報工学科</a:t>
-            </a:r>
-          </a:p>
-        </p:txBody>
-      </p:sp>
-      <p:sp>
-        <p:nvSpPr>
           <p:cNvPr id="19" name="テキスト ボックス 18">
             <a:extLst>
               <a:ext uri="{FF2B5EF4-FFF2-40B4-BE49-F238E27FC236}">
@@ -965,6 +895,81 @@
           </a:prstGeom>
         </p:spPr>
       </p:pic>
+      <p:sp>
+        <p:nvSpPr>
+          <p:cNvPr id="4" name="テキスト ボックス 3">
+            <a:extLst>
+              <a:ext uri="{FF2B5EF4-FFF2-40B4-BE49-F238E27FC236}">
+                <a16:creationId xmlns:a16="http://schemas.microsoft.com/office/drawing/2014/main" id="{016FA14A-76C9-73E3-3201-D3FD07F28033}"/>
+              </a:ext>
+            </a:extLst>
+          </p:cNvPr>
+          <p:cNvSpPr txBox="1"/>
+          <p:nvPr/>
+        </p:nvSpPr>
+        <p:spPr>
+          <a:xfrm>
+            <a:off x="2682694" y="7103948"/>
+            <a:ext cx="2262158" cy="369332"/>
+          </a:xfrm>
+          <a:prstGeom prst="rect">
+            <a:avLst/>
+          </a:prstGeom>
+          <a:noFill/>
+        </p:spPr>
+        <p:txBody>
+          <a:bodyPr wrap="none" rtlCol="0">
+            <a:spAutoFit/>
+          </a:bodyPr>
+          <a:lstStyle/>
+          <a:p>
+            <a:r>
+              <a:rPr kumimoji="1" lang="ja-JP" altLang="en-US"/>
+              <a:t>慶應義塾大学</a:t>
+            </a:r>
+            <a:r>
+              <a:rPr lang="ja-JP" altLang="en-US"/>
+              <a:t>大学院</a:t>
+            </a:r>
+            <a:endParaRPr kumimoji="1" lang="ja-JP" altLang="en-US"/>
+          </a:p>
+        </p:txBody>
+      </p:sp>
+      <p:sp>
+        <p:nvSpPr>
+          <p:cNvPr id="6" name="テキスト ボックス 5">
+            <a:extLst>
+              <a:ext uri="{FF2B5EF4-FFF2-40B4-BE49-F238E27FC236}">
+                <a16:creationId xmlns:a16="http://schemas.microsoft.com/office/drawing/2014/main" id="{488F19EF-6932-A552-AB7E-543B256FD77B}"/>
+              </a:ext>
+            </a:extLst>
+          </p:cNvPr>
+          <p:cNvSpPr txBox="1"/>
+          <p:nvPr/>
+        </p:nvSpPr>
+        <p:spPr>
+          <a:xfrm>
+            <a:off x="2204864" y="7499275"/>
+            <a:ext cx="3185487" cy="369332"/>
+          </a:xfrm>
+          <a:prstGeom prst="rect">
+            <a:avLst/>
+          </a:prstGeom>
+          <a:noFill/>
+        </p:spPr>
+        <p:txBody>
+          <a:bodyPr wrap="none" rtlCol="0">
+            <a:spAutoFit/>
+          </a:bodyPr>
+          <a:lstStyle/>
+          <a:p>
+            <a:r>
+              <a:rPr kumimoji="1" lang="ja-JP" altLang="en-US"/>
+              <a:t>理工学研究科基礎理工学専攻</a:t>
+            </a:r>
+          </a:p>
+        </p:txBody>
+      </p:sp>
     </p:spTree>
     <p:extLst>
       <p:ext uri="{BB962C8B-B14F-4D97-AF65-F5344CB8AC3E}">
